--- a/DA_project_slides.pptx
+++ b/DA_project_slides.pptx
@@ -327,7 +327,7 @@
           <a:p>
             <a:fld id="{4AAD347D-5ACD-4C99-B74B-A9C85AD731AF}" type="datetimeFigureOut">
               <a:rPr lang="en-US" smtClean="0"/>
-              <a:t>2/15/2020</a:t>
+              <a:t>2/16/2020</a:t>
             </a:fld>
             <a:endParaRPr lang="en-US" dirty="0"/>
           </a:p>
@@ -602,7 +602,7 @@
           <a:p>
             <a:fld id="{4509A250-FF31-4206-8172-F9D3106AACB1}" type="datetimeFigureOut">
               <a:rPr lang="en-US" smtClean="0"/>
-              <a:t>2/15/2020</a:t>
+              <a:t>2/16/2020</a:t>
             </a:fld>
             <a:endParaRPr lang="en-US" dirty="0"/>
           </a:p>
@@ -796,7 +796,7 @@
           <a:p>
             <a:fld id="{4509A250-FF31-4206-8172-F9D3106AACB1}" type="datetimeFigureOut">
               <a:rPr lang="en-US" smtClean="0"/>
-              <a:t>2/15/2020</a:t>
+              <a:t>2/16/2020</a:t>
             </a:fld>
             <a:endParaRPr lang="en-US" dirty="0"/>
           </a:p>
@@ -1069,7 +1069,7 @@
           <a:p>
             <a:fld id="{4AAD347D-5ACD-4C99-B74B-A9C85AD731AF}" type="datetimeFigureOut">
               <a:rPr lang="en-US" smtClean="0"/>
-              <a:t>2/15/2020</a:t>
+              <a:t>2/16/2020</a:t>
             </a:fld>
             <a:endParaRPr lang="en-US" dirty="0"/>
           </a:p>
@@ -1411,7 +1411,7 @@
           <a:p>
             <a:fld id="{4509A250-FF31-4206-8172-F9D3106AACB1}" type="datetimeFigureOut">
               <a:rPr lang="en-US" smtClean="0"/>
-              <a:t>2/15/2020</a:t>
+              <a:t>2/16/2020</a:t>
             </a:fld>
             <a:endParaRPr lang="en-US" dirty="0"/>
           </a:p>
@@ -2034,7 +2034,7 @@
           <a:p>
             <a:fld id="{4509A250-FF31-4206-8172-F9D3106AACB1}" type="datetimeFigureOut">
               <a:rPr lang="en-US" smtClean="0"/>
-              <a:t>2/15/2020</a:t>
+              <a:t>2/16/2020</a:t>
             </a:fld>
             <a:endParaRPr lang="en-US" dirty="0"/>
           </a:p>
@@ -2894,7 +2894,7 @@
           <a:p>
             <a:fld id="{4509A250-FF31-4206-8172-F9D3106AACB1}" type="datetimeFigureOut">
               <a:rPr lang="en-US" smtClean="0"/>
-              <a:t>2/15/2020</a:t>
+              <a:t>2/16/2020</a:t>
             </a:fld>
             <a:endParaRPr lang="en-US" dirty="0"/>
           </a:p>
@@ -3064,7 +3064,7 @@
           <a:p>
             <a:fld id="{4509A250-FF31-4206-8172-F9D3106AACB1}" type="datetimeFigureOut">
               <a:rPr lang="en-US" smtClean="0"/>
-              <a:t>2/15/2020</a:t>
+              <a:t>2/16/2020</a:t>
             </a:fld>
             <a:endParaRPr lang="en-US" dirty="0"/>
           </a:p>
@@ -3244,7 +3244,7 @@
           <a:p>
             <a:fld id="{4AAD347D-5ACD-4C99-B74B-A9C85AD731AF}" type="datetimeFigureOut">
               <a:rPr lang="en-US" smtClean="0"/>
-              <a:t>2/15/2020</a:t>
+              <a:t>2/16/2020</a:t>
             </a:fld>
             <a:endParaRPr lang="en-US" dirty="0"/>
           </a:p>
@@ -3415,7 +3415,7 @@
           <a:p>
             <a:fld id="{4509A250-FF31-4206-8172-F9D3106AACB1}" type="datetimeFigureOut">
               <a:rPr lang="en-US" smtClean="0"/>
-              <a:t>2/15/2020</a:t>
+              <a:t>2/16/2020</a:t>
             </a:fld>
             <a:endParaRPr lang="en-US" dirty="0"/>
           </a:p>
@@ -3662,7 +3662,7 @@
           <a:p>
             <a:fld id="{9796027F-7875-4030-9381-8BD8C4F21935}" type="datetimeFigureOut">
               <a:rPr lang="en-US" smtClean="0"/>
-              <a:t>2/15/2020</a:t>
+              <a:t>2/16/2020</a:t>
             </a:fld>
             <a:endParaRPr lang="en-US" dirty="0"/>
           </a:p>
@@ -3954,7 +3954,7 @@
           <a:p>
             <a:fld id="{9796027F-7875-4030-9381-8BD8C4F21935}" type="datetimeFigureOut">
               <a:rPr lang="en-US" smtClean="0"/>
-              <a:t>2/15/2020</a:t>
+              <a:t>2/16/2020</a:t>
             </a:fld>
             <a:endParaRPr lang="en-US" dirty="0"/>
           </a:p>
@@ -4398,7 +4398,7 @@
           <a:p>
             <a:fld id="{9796027F-7875-4030-9381-8BD8C4F21935}" type="datetimeFigureOut">
               <a:rPr lang="en-US" smtClean="0"/>
-              <a:t>2/15/2020</a:t>
+              <a:t>2/16/2020</a:t>
             </a:fld>
             <a:endParaRPr lang="en-US" dirty="0"/>
           </a:p>
@@ -4516,7 +4516,7 @@
           <a:p>
             <a:fld id="{4509A250-FF31-4206-8172-F9D3106AACB1}" type="datetimeFigureOut">
               <a:rPr lang="en-US" smtClean="0"/>
-              <a:t>2/15/2020</a:t>
+              <a:t>2/16/2020</a:t>
             </a:fld>
             <a:endParaRPr lang="en-US" dirty="0"/>
           </a:p>
@@ -4611,7 +4611,7 @@
           <a:p>
             <a:fld id="{4509A250-FF31-4206-8172-F9D3106AACB1}" type="datetimeFigureOut">
               <a:rPr lang="en-US" smtClean="0"/>
-              <a:t>2/15/2020</a:t>
+              <a:t>2/16/2020</a:t>
             </a:fld>
             <a:endParaRPr lang="en-US" dirty="0"/>
           </a:p>
@@ -4890,7 +4890,7 @@
           <a:p>
             <a:fld id="{4509A250-FF31-4206-8172-F9D3106AACB1}" type="datetimeFigureOut">
               <a:rPr lang="en-US" smtClean="0"/>
-              <a:t>2/15/2020</a:t>
+              <a:t>2/16/2020</a:t>
             </a:fld>
             <a:endParaRPr lang="en-US" dirty="0"/>
           </a:p>
@@ -5165,7 +5165,7 @@
           <a:p>
             <a:fld id="{4509A250-FF31-4206-8172-F9D3106AACB1}" type="datetimeFigureOut">
               <a:rPr lang="en-US" smtClean="0"/>
-              <a:t>2/15/2020</a:t>
+              <a:t>2/16/2020</a:t>
             </a:fld>
             <a:endParaRPr lang="en-US" dirty="0"/>
           </a:p>
@@ -5594,7 +5594,7 @@
           <a:p>
             <a:fld id="{4AAD347D-5ACD-4C99-B74B-A9C85AD731AF}" type="datetimeFigureOut">
               <a:rPr lang="en-US" smtClean="0"/>
-              <a:t>2/15/2020</a:t>
+              <a:t>2/16/2020</a:t>
             </a:fld>
             <a:endParaRPr lang="en-US" dirty="0"/>
           </a:p>
@@ -6467,6 +6467,14 @@
             </a:r>
             <a:r>
               <a:rPr lang="it-IT" dirty="0"/>
+              <a:t>? How </a:t>
+            </a:r>
+            <a:r>
+              <a:rPr lang="it-IT" dirty="0" err="1"/>
+              <a:t>much</a:t>
+            </a:r>
+            <a:r>
+              <a:rPr lang="it-IT" dirty="0"/>
               <a:t>?</a:t>
             </a:r>
           </a:p>
@@ -6853,6 +6861,49 @@
           </a:prstGeom>
         </p:spPr>
       </p:pic>
+      <p:sp>
+        <p:nvSpPr>
+          <p:cNvPr id="5" name="CasellaDiTesto 4">
+            <a:extLst>
+              <a:ext uri="{FF2B5EF4-FFF2-40B4-BE49-F238E27FC236}">
+                <a16:creationId xmlns:a16="http://schemas.microsoft.com/office/drawing/2014/main" id="{081AA1CE-3AE6-4349-9FF7-B47C8A566CF8}"/>
+              </a:ext>
+            </a:extLst>
+          </p:cNvPr>
+          <p:cNvSpPr txBox="1"/>
+          <p:nvPr/>
+        </p:nvSpPr>
+        <p:spPr>
+          <a:xfrm>
+            <a:off x="7384211" y="6061494"/>
+            <a:ext cx="2501661" cy="369332"/>
+          </a:xfrm>
+          <a:prstGeom prst="rect">
+            <a:avLst/>
+          </a:prstGeom>
+          <a:noFill/>
+        </p:spPr>
+        <p:txBody>
+          <a:bodyPr wrap="square" rtlCol="0">
+            <a:spAutoFit/>
+          </a:bodyPr>
+          <a:lstStyle/>
+          <a:p>
+            <a:r>
+              <a:rPr lang="it-IT" dirty="0"/>
+              <a:t>Full Index </a:t>
+            </a:r>
+            <a:r>
+              <a:rPr lang="it-IT" dirty="0" err="1"/>
+              <a:t>visualized</a:t>
+            </a:r>
+            <a:r>
+              <a:rPr lang="it-IT" dirty="0"/>
+              <a:t> </a:t>
+            </a:r>
+          </a:p>
+        </p:txBody>
+      </p:sp>
     </p:spTree>
     <p:extLst>
       <p:ext uri="{BB962C8B-B14F-4D97-AF65-F5344CB8AC3E}">
@@ -7196,15 +7247,15 @@
             </a:r>
             <a:r>
               <a:rPr lang="it-IT" dirty="0"/>
+              <a:t> and test </a:t>
+            </a:r>
+            <a:r>
+              <a:rPr lang="it-IT" dirty="0" err="1"/>
+              <a:t>our</a:t>
+            </a:r>
+            <a:r>
+              <a:rPr lang="it-IT" dirty="0"/>
               <a:t> </a:t>
-            </a:r>
-            <a:r>
-              <a:rPr lang="it-IT" dirty="0" err="1"/>
-              <a:t>our</a:t>
-            </a:r>
-            <a:r>
-              <a:rPr lang="it-IT" dirty="0"/>
-              <a:t> ML </a:t>
             </a:r>
             <a:r>
               <a:rPr lang="it-IT" dirty="0" err="1"/>
@@ -7526,6 +7577,56 @@
           </a:prstGeom>
         </p:spPr>
       </p:pic>
+      <p:sp>
+        <p:nvSpPr>
+          <p:cNvPr id="5" name="Rettangolo 4">
+            <a:extLst>
+              <a:ext uri="{FF2B5EF4-FFF2-40B4-BE49-F238E27FC236}">
+                <a16:creationId xmlns:a16="http://schemas.microsoft.com/office/drawing/2014/main" id="{3F2D6380-3911-4ACA-B00C-001C83C68F06}"/>
+              </a:ext>
+            </a:extLst>
+          </p:cNvPr>
+          <p:cNvSpPr/>
+          <p:nvPr/>
+        </p:nvSpPr>
+        <p:spPr>
+          <a:xfrm>
+            <a:off x="5576583" y="5744878"/>
+            <a:ext cx="1629350" cy="333555"/>
+          </a:xfrm>
+          <a:prstGeom prst="rect">
+            <a:avLst/>
+          </a:prstGeom>
+          <a:noFill/>
+          <a:ln>
+            <a:solidFill>
+              <a:srgbClr val="FFC000"/>
+            </a:solidFill>
+          </a:ln>
+        </p:spPr>
+        <p:style>
+          <a:lnRef idx="2">
+            <a:schemeClr val="accent6"/>
+          </a:lnRef>
+          <a:fillRef idx="1">
+            <a:schemeClr val="lt1"/>
+          </a:fillRef>
+          <a:effectRef idx="0">
+            <a:schemeClr val="accent6"/>
+          </a:effectRef>
+          <a:fontRef idx="minor">
+            <a:schemeClr val="dk1"/>
+          </a:fontRef>
+        </p:style>
+        <p:txBody>
+          <a:bodyPr rtlCol="0" anchor="ctr"/>
+          <a:lstStyle/>
+          <a:p>
+            <a:pPr algn="ctr"/>
+            <a:endParaRPr lang="it-IT"/>
+          </a:p>
+        </p:txBody>
+      </p:sp>
     </p:spTree>
     <p:extLst>
       <p:ext uri="{BB962C8B-B14F-4D97-AF65-F5344CB8AC3E}">
@@ -7899,6 +8000,86 @@
           </a:prstGeom>
         </p:spPr>
       </p:pic>
+      <p:pic>
+        <p:nvPicPr>
+          <p:cNvPr id="7" name="Immagine 6">
+            <a:extLst>
+              <a:ext uri="{FF2B5EF4-FFF2-40B4-BE49-F238E27FC236}">
+                <a16:creationId xmlns:a16="http://schemas.microsoft.com/office/drawing/2014/main" id="{DB5ADBDE-0C56-4C53-8421-B63688E6F389}"/>
+              </a:ext>
+            </a:extLst>
+          </p:cNvPr>
+          <p:cNvPicPr>
+            <a:picLocks noChangeAspect="1"/>
+          </p:cNvPicPr>
+          <p:nvPr/>
+        </p:nvPicPr>
+        <p:blipFill>
+          <a:blip r:embed="rId4"/>
+          <a:stretch>
+            <a:fillRect/>
+          </a:stretch>
+        </p:blipFill>
+        <p:spPr>
+          <a:xfrm>
+            <a:off x="5883215" y="6311694"/>
+            <a:ext cx="5969479" cy="241004"/>
+          </a:xfrm>
+          <a:prstGeom prst="rect">
+            <a:avLst/>
+          </a:prstGeom>
+        </p:spPr>
+      </p:pic>
+      <p:sp>
+        <p:nvSpPr>
+          <p:cNvPr id="8" name="Rettangolo 7">
+            <a:extLst>
+              <a:ext uri="{FF2B5EF4-FFF2-40B4-BE49-F238E27FC236}">
+                <a16:creationId xmlns:a16="http://schemas.microsoft.com/office/drawing/2014/main" id="{511CA80D-ADE3-4DC8-B02F-64A2664A506D}"/>
+              </a:ext>
+            </a:extLst>
+          </p:cNvPr>
+          <p:cNvSpPr/>
+          <p:nvPr/>
+        </p:nvSpPr>
+        <p:spPr>
+          <a:xfrm>
+            <a:off x="5883215" y="6311693"/>
+            <a:ext cx="1629350" cy="241005"/>
+          </a:xfrm>
+          <a:prstGeom prst="rect">
+            <a:avLst/>
+          </a:prstGeom>
+          <a:noFill/>
+          <a:ln>
+            <a:solidFill>
+              <a:srgbClr val="FFC000"/>
+            </a:solidFill>
+          </a:ln>
+        </p:spPr>
+        <p:style>
+          <a:lnRef idx="2">
+            <a:schemeClr val="accent6"/>
+          </a:lnRef>
+          <a:fillRef idx="1">
+            <a:schemeClr val="lt1"/>
+          </a:fillRef>
+          <a:effectRef idx="0">
+            <a:schemeClr val="accent6"/>
+          </a:effectRef>
+          <a:fontRef idx="minor">
+            <a:schemeClr val="dk1"/>
+          </a:fontRef>
+        </p:style>
+        <p:txBody>
+          <a:bodyPr rtlCol="0" anchor="ctr"/>
+          <a:lstStyle/>
+          <a:p>
+            <a:pPr algn="ctr"/>
+            <a:endParaRPr lang="it-IT"/>
+          </a:p>
+        </p:txBody>
+      </p:sp>
     </p:spTree>
     <p:extLst>
       <p:ext uri="{BB962C8B-B14F-4D97-AF65-F5344CB8AC3E}">
@@ -7952,25 +8133,28 @@
           <a:p>
             <a:r>
               <a:rPr lang="it-IT" dirty="0" err="1"/>
+              <a:t>Our</a:t>
+            </a:r>
+            <a:r>
+              <a:rPr lang="it-IT" dirty="0"/>
+              <a:t> project – Experiment 1: </a:t>
+            </a:r>
+            <a:r>
+              <a:rPr lang="it-IT" dirty="0" err="1"/>
               <a:t>Classification</a:t>
             </a:r>
             <a:r>
               <a:rPr lang="it-IT" dirty="0"/>
-              <a:t> – </a:t>
-            </a:r>
-            <a:r>
-              <a:rPr lang="it-IT" dirty="0" err="1"/>
-              <a:t>Deterministic</a:t>
-            </a:r>
-            <a:r>
-              <a:rPr lang="it-IT" dirty="0"/>
-              <a:t> </a:t>
-            </a:r>
-            <a:r>
-              <a:rPr lang="it-IT" dirty="0" err="1"/>
-              <a:t>approach</a:t>
-            </a:r>
-            <a:endParaRPr lang="it-IT" dirty="0"/>
+              <a:t> (</a:t>
+            </a:r>
+            <a:r>
+              <a:rPr lang="it-IT" dirty="0" err="1"/>
+              <a:t>Determinstic</a:t>
+            </a:r>
+            <a:r>
+              <a:rPr lang="it-IT" dirty="0"/>
+              <a:t>)</a:t>
+            </a:r>
           </a:p>
         </p:txBody>
       </p:sp>
@@ -8080,6 +8264,12 @@
               <a:t>attributes</a:t>
             </a:r>
             <a:endParaRPr lang="it-IT" dirty="0"/>
+          </a:p>
+          <a:p>
+            <a:r>
+              <a:rPr lang="it-IT" dirty="0"/>
+              <a:t>4865 matches out of 5000</a:t>
+            </a:r>
           </a:p>
         </p:txBody>
       </p:sp>
@@ -8097,16 +8287,15 @@
           </p:cNvPicPr>
           <p:nvPr/>
         </p:nvPicPr>
-        <p:blipFill>
+        <p:blipFill rotWithShape="1">
           <a:blip r:embed="rId2"/>
-          <a:stretch>
-            <a:fillRect/>
-          </a:stretch>
+          <a:srcRect t="90689"/>
+          <a:stretch/>
         </p:blipFill>
         <p:spPr>
           <a:xfrm>
-            <a:off x="4572000" y="3636840"/>
-            <a:ext cx="7011441" cy="2470661"/>
+            <a:off x="4572000" y="5877464"/>
+            <a:ext cx="7011441" cy="230037"/>
           </a:xfrm>
           <a:prstGeom prst="rect">
             <a:avLst/>
@@ -8143,6 +8332,79 @@
           </a:prstGeom>
         </p:spPr>
       </p:pic>
+      <p:pic>
+        <p:nvPicPr>
+          <p:cNvPr id="6" name="Immagine 5">
+            <a:extLst>
+              <a:ext uri="{FF2B5EF4-FFF2-40B4-BE49-F238E27FC236}">
+                <a16:creationId xmlns:a16="http://schemas.microsoft.com/office/drawing/2014/main" id="{03EFE56D-F1E1-4EB5-BE05-30FB3661FB43}"/>
+              </a:ext>
+            </a:extLst>
+          </p:cNvPr>
+          <p:cNvPicPr>
+            <a:picLocks noChangeAspect="1"/>
+          </p:cNvPicPr>
+          <p:nvPr/>
+        </p:nvPicPr>
+        <p:blipFill>
+          <a:blip r:embed="rId4"/>
+          <a:stretch>
+            <a:fillRect/>
+          </a:stretch>
+        </p:blipFill>
+        <p:spPr>
+          <a:xfrm>
+            <a:off x="4572000" y="3772619"/>
+            <a:ext cx="7011441" cy="2104845"/>
+          </a:xfrm>
+          <a:prstGeom prst="rect">
+            <a:avLst/>
+          </a:prstGeom>
+        </p:spPr>
+      </p:pic>
+      <p:cxnSp>
+        <p:nvCxnSpPr>
+          <p:cNvPr id="8" name="Connettore diritto 7">
+            <a:extLst>
+              <a:ext uri="{FF2B5EF4-FFF2-40B4-BE49-F238E27FC236}">
+                <a16:creationId xmlns:a16="http://schemas.microsoft.com/office/drawing/2014/main" id="{27118144-D6CB-4FDD-B90D-F56288AB2FC1}"/>
+              </a:ext>
+            </a:extLst>
+          </p:cNvPr>
+          <p:cNvCxnSpPr>
+            <a:cxnSpLocks/>
+          </p:cNvCxnSpPr>
+          <p:nvPr/>
+        </p:nvCxnSpPr>
+        <p:spPr>
+          <a:xfrm flipH="1">
+            <a:off x="1616015" y="4658264"/>
+            <a:ext cx="2532033" cy="0"/>
+          </a:xfrm>
+          <a:prstGeom prst="line">
+            <a:avLst/>
+          </a:prstGeom>
+          <a:ln>
+            <a:solidFill>
+              <a:srgbClr val="FF0000"/>
+            </a:solidFill>
+          </a:ln>
+        </p:spPr>
+        <p:style>
+          <a:lnRef idx="3">
+            <a:schemeClr val="accent1"/>
+          </a:lnRef>
+          <a:fillRef idx="0">
+            <a:schemeClr val="accent1"/>
+          </a:fillRef>
+          <a:effectRef idx="2">
+            <a:schemeClr val="accent1"/>
+          </a:effectRef>
+          <a:fontRef idx="minor">
+            <a:schemeClr val="tx1"/>
+          </a:fontRef>
+        </p:style>
+      </p:cxnSp>
     </p:spTree>
     <p:extLst>
       <p:ext uri="{BB962C8B-B14F-4D97-AF65-F5344CB8AC3E}">
@@ -8196,11 +8458,19 @@
           <a:p>
             <a:r>
               <a:rPr lang="it-IT" dirty="0" err="1"/>
+              <a:t>Our</a:t>
+            </a:r>
+            <a:r>
+              <a:rPr lang="it-IT" dirty="0"/>
+              <a:t> project – Experiment 1: </a:t>
+            </a:r>
+            <a:r>
+              <a:rPr lang="it-IT" dirty="0" err="1"/>
               <a:t>Classification</a:t>
             </a:r>
             <a:r>
               <a:rPr lang="it-IT" dirty="0"/>
-              <a:t> – </a:t>
+              <a:t> (</a:t>
             </a:r>
             <a:r>
               <a:rPr lang="it-IT" dirty="0" err="1"/>
@@ -8214,7 +8484,10 @@
               <a:rPr lang="it-IT" dirty="0" err="1"/>
               <a:t>Bayes</a:t>
             </a:r>
-            <a:endParaRPr lang="it-IT" dirty="0"/>
+            <a:r>
+              <a:rPr lang="it-IT" dirty="0"/>
+              <a:t>)</a:t>
+            </a:r>
           </a:p>
         </p:txBody>
       </p:sp>
@@ -8236,13 +8509,13 @@
         </p:nvSpPr>
         <p:spPr>
           <a:xfrm>
-            <a:off x="1104293" y="1633100"/>
+            <a:off x="1029531" y="1788376"/>
             <a:ext cx="8946541" cy="1081346"/>
           </a:xfrm>
         </p:spPr>
         <p:txBody>
           <a:bodyPr>
-            <a:normAutofit fontScale="92500" lnSpcReduction="20000"/>
+            <a:normAutofit/>
           </a:bodyPr>
           <a:lstStyle/>
           <a:p>
@@ -8272,37 +8545,6 @@
             <a:r>
               <a:rPr lang="it-IT" dirty="0"/>
               <a:t> out of 5000</a:t>
-            </a:r>
-          </a:p>
-          <a:p>
-            <a:pPr lvl="1"/>
-            <a:r>
-              <a:rPr lang="it-IT" dirty="0"/>
-              <a:t>More matches </a:t>
-            </a:r>
-            <a:r>
-              <a:rPr lang="it-IT" dirty="0" err="1"/>
-              <a:t>than</a:t>
-            </a:r>
-            <a:r>
-              <a:rPr lang="it-IT" dirty="0"/>
-              <a:t> the </a:t>
-            </a:r>
-            <a:r>
-              <a:rPr lang="it-IT" dirty="0" err="1"/>
-              <a:t>deterministic</a:t>
-            </a:r>
-            <a:r>
-              <a:rPr lang="it-IT" dirty="0"/>
-              <a:t> </a:t>
-            </a:r>
-            <a:r>
-              <a:rPr lang="it-IT" dirty="0" err="1"/>
-              <a:t>approach</a:t>
-            </a:r>
-            <a:r>
-              <a:rPr lang="it-IT" dirty="0"/>
-              <a:t> (4867 vs 4958)</a:t>
             </a:r>
           </a:p>
         </p:txBody>
@@ -8369,54 +8611,6 @@
       </p:grpSpPr>
       <p:sp>
         <p:nvSpPr>
-          <p:cNvPr id="2" name="Titolo 1">
-            <a:extLst>
-              <a:ext uri="{FF2B5EF4-FFF2-40B4-BE49-F238E27FC236}">
-                <a16:creationId xmlns:a16="http://schemas.microsoft.com/office/drawing/2014/main" id="{12CC745D-4CA3-488A-8472-D86611980960}"/>
-              </a:ext>
-            </a:extLst>
-          </p:cNvPr>
-          <p:cNvSpPr>
-            <a:spLocks noGrp="1"/>
-          </p:cNvSpPr>
-          <p:nvPr>
-            <p:ph type="title"/>
-          </p:nvPr>
-        </p:nvSpPr>
-        <p:spPr/>
-        <p:txBody>
-          <a:bodyPr/>
-          <a:lstStyle/>
-          <a:p>
-            <a:r>
-              <a:rPr lang="it-IT" dirty="0" err="1"/>
-              <a:t>Classification</a:t>
-            </a:r>
-            <a:r>
-              <a:rPr lang="it-IT" dirty="0"/>
-              <a:t> – </a:t>
-            </a:r>
-            <a:r>
-              <a:rPr lang="it-IT" dirty="0" err="1"/>
-              <a:t>Naive</a:t>
-            </a:r>
-            <a:r>
-              <a:rPr lang="it-IT" dirty="0"/>
-              <a:t> </a:t>
-            </a:r>
-            <a:r>
-              <a:rPr lang="it-IT" dirty="0" err="1"/>
-              <a:t>Bayes</a:t>
-            </a:r>
-            <a:r>
-              <a:rPr lang="it-IT" dirty="0"/>
-              <a:t> (1)</a:t>
-            </a:r>
-          </a:p>
-        </p:txBody>
-      </p:sp>
-      <p:sp>
-        <p:nvSpPr>
           <p:cNvPr id="3" name="Segnaposto contenuto 2">
             <a:extLst>
               <a:ext uri="{FF2B5EF4-FFF2-40B4-BE49-F238E27FC236}">
@@ -8433,7 +8627,7 @@
         </p:nvSpPr>
         <p:spPr>
           <a:xfrm>
-            <a:off x="874273" y="1414563"/>
+            <a:off x="834016" y="834525"/>
             <a:ext cx="8946541" cy="770795"/>
           </a:xfrm>
         </p:spPr>
@@ -8511,8 +8705,38 @@
         </p:blipFill>
         <p:spPr>
           <a:xfrm>
-            <a:off x="2371186" y="2392392"/>
+            <a:off x="2330929" y="1828800"/>
             <a:ext cx="6667500" cy="4042026"/>
+          </a:xfrm>
+          <a:prstGeom prst="rect">
+            <a:avLst/>
+          </a:prstGeom>
+        </p:spPr>
+      </p:pic>
+      <p:pic>
+        <p:nvPicPr>
+          <p:cNvPr id="5" name="Immagine 4">
+            <a:extLst>
+              <a:ext uri="{FF2B5EF4-FFF2-40B4-BE49-F238E27FC236}">
+                <a16:creationId xmlns:a16="http://schemas.microsoft.com/office/drawing/2014/main" id="{905C0761-C6DB-4BB6-BCD2-DF8AFAA3882F}"/>
+              </a:ext>
+            </a:extLst>
+          </p:cNvPr>
+          <p:cNvPicPr>
+            <a:picLocks noChangeAspect="1"/>
+          </p:cNvPicPr>
+          <p:nvPr/>
+        </p:nvPicPr>
+        <p:blipFill>
+          <a:blip r:embed="rId3"/>
+          <a:stretch>
+            <a:fillRect/>
+          </a:stretch>
+        </p:blipFill>
+        <p:spPr>
+          <a:xfrm>
+            <a:off x="2330929" y="5443309"/>
+            <a:ext cx="2459606" cy="353599"/>
           </a:xfrm>
           <a:prstGeom prst="rect">
             <a:avLst/>
@@ -8572,11 +8796,19 @@
           <a:p>
             <a:r>
               <a:rPr lang="it-IT" dirty="0" err="1"/>
+              <a:t>Our</a:t>
+            </a:r>
+            <a:r>
+              <a:rPr lang="it-IT" dirty="0"/>
+              <a:t> project – Experiment 1: </a:t>
+            </a:r>
+            <a:r>
+              <a:rPr lang="it-IT" dirty="0" err="1"/>
               <a:t>Classification</a:t>
             </a:r>
             <a:r>
               <a:rPr lang="it-IT" dirty="0"/>
-              <a:t> - ECM</a:t>
+              <a:t> (ECM)</a:t>
             </a:r>
           </a:p>
         </p:txBody>
@@ -8599,7 +8831,7 @@
         </p:nvSpPr>
         <p:spPr>
           <a:xfrm>
-            <a:off x="999795" y="1437568"/>
+            <a:off x="999795" y="1736617"/>
             <a:ext cx="8946541" cy="4195481"/>
           </a:xfrm>
         </p:spPr>
@@ -9527,49 +9759,6 @@
       </p:grpSpPr>
       <p:sp>
         <p:nvSpPr>
-          <p:cNvPr id="2" name="Titolo 1">
-            <a:extLst>
-              <a:ext uri="{FF2B5EF4-FFF2-40B4-BE49-F238E27FC236}">
-                <a16:creationId xmlns:a16="http://schemas.microsoft.com/office/drawing/2014/main" id="{E1F19993-1061-4A4C-9EF9-BFCA1A23D3EA}"/>
-              </a:ext>
-            </a:extLst>
-          </p:cNvPr>
-          <p:cNvSpPr>
-            <a:spLocks noGrp="1"/>
-          </p:cNvSpPr>
-          <p:nvPr>
-            <p:ph type="title"/>
-          </p:nvPr>
-        </p:nvSpPr>
-        <p:spPr/>
-        <p:txBody>
-          <a:bodyPr/>
-          <a:lstStyle/>
-          <a:p>
-            <a:r>
-              <a:rPr lang="it-IT" dirty="0" err="1"/>
-              <a:t>Our</a:t>
-            </a:r>
-            <a:r>
-              <a:rPr lang="it-IT" dirty="0"/>
-              <a:t> project – Experiment 1:</a:t>
-            </a:r>
-            <a:br>
-              <a:rPr lang="it-IT" dirty="0"/>
-            </a:br>
-            <a:r>
-              <a:rPr lang="it-IT" dirty="0" err="1"/>
-              <a:t>Block</a:t>
-            </a:r>
-            <a:r>
-              <a:rPr lang="it-IT" dirty="0"/>
-              <a:t> index (1)</a:t>
-            </a:r>
-          </a:p>
-        </p:txBody>
-      </p:sp>
-      <p:sp>
-        <p:nvSpPr>
           <p:cNvPr id="3" name="Segnaposto contenuto 2">
             <a:extLst>
               <a:ext uri="{FF2B5EF4-FFF2-40B4-BE49-F238E27FC236}">
@@ -9586,7 +9775,7 @@
         </p:nvSpPr>
         <p:spPr>
           <a:xfrm>
-            <a:off x="1103312" y="2052918"/>
+            <a:off x="1080308" y="948737"/>
             <a:ext cx="9219631" cy="4195481"/>
           </a:xfrm>
         </p:spPr>
@@ -9685,8 +9874,38 @@
         </p:blipFill>
         <p:spPr>
           <a:xfrm>
-            <a:off x="2429684" y="3375803"/>
+            <a:off x="2395179" y="2553418"/>
             <a:ext cx="5512370" cy="3131387"/>
+          </a:xfrm>
+          <a:prstGeom prst="rect">
+            <a:avLst/>
+          </a:prstGeom>
+        </p:spPr>
+      </p:pic>
+      <p:pic>
+        <p:nvPicPr>
+          <p:cNvPr id="5" name="Immagine 4">
+            <a:extLst>
+              <a:ext uri="{FF2B5EF4-FFF2-40B4-BE49-F238E27FC236}">
+                <a16:creationId xmlns:a16="http://schemas.microsoft.com/office/drawing/2014/main" id="{2923506B-2DE3-4876-8BB4-8D8DC309A552}"/>
+              </a:ext>
+            </a:extLst>
+          </p:cNvPr>
+          <p:cNvPicPr>
+            <a:picLocks noChangeAspect="1"/>
+          </p:cNvPicPr>
+          <p:nvPr/>
+        </p:nvPicPr>
+        <p:blipFill>
+          <a:blip r:embed="rId3"/>
+          <a:stretch>
+            <a:fillRect/>
+          </a:stretch>
+        </p:blipFill>
+        <p:spPr>
+          <a:xfrm>
+            <a:off x="6247321" y="5331206"/>
+            <a:ext cx="1510702" cy="293217"/>
           </a:xfrm>
           <a:prstGeom prst="rect">
             <a:avLst/>
@@ -9761,11 +9980,11 @@
             </a:r>
             <a:r>
               <a:rPr lang="it-IT" dirty="0"/>
-              <a:t> Index (fast </a:t>
-            </a:r>
-            <a:r>
-              <a:rPr lang="it-IT" dirty="0" err="1"/>
-              <a:t>forward</a:t>
+              <a:t> Index (Time </a:t>
+            </a:r>
+            <a:r>
+              <a:rPr lang="it-IT" dirty="0" err="1"/>
+              <a:t>Comparison</a:t>
             </a:r>
             <a:r>
               <a:rPr lang="it-IT" dirty="0"/>
@@ -9905,14 +10124,14 @@
           <p:nvPr>
             <p:extLst>
               <p:ext uri="{D42A27DB-BD31-4B8C-83A1-F6EECF244321}">
-                <p14:modId xmlns:p14="http://schemas.microsoft.com/office/powerpoint/2010/main" val="726431017"/>
+                <p14:modId xmlns:p14="http://schemas.microsoft.com/office/powerpoint/2010/main" val="364366188"/>
               </p:ext>
             </p:extLst>
           </p:nvPr>
         </p:nvGraphicFramePr>
         <p:xfrm>
           <a:off x="1640936" y="3531876"/>
-          <a:ext cx="8060907" cy="2322584"/>
+          <a:ext cx="8060907" cy="2382018"/>
         </p:xfrm>
         <a:graphic>
           <a:graphicData uri="http://schemas.openxmlformats.org/drawingml/2006/table">
@@ -10058,7 +10277,10 @@
                         <a:rPr lang="it-IT" dirty="0" err="1"/>
                         <a:t>Bayes</a:t>
                       </a:r>
-                      <a:endParaRPr lang="it-IT" dirty="0"/>
+                      <a:r>
+                        <a:rPr lang="it-IT" dirty="0"/>
+                        <a:t> training time</a:t>
+                      </a:r>
                     </a:p>
                   </a:txBody>
                   <a:tcPr/>
@@ -10103,7 +10325,7 @@
                     <a:p>
                       <a:r>
                         <a:rPr lang="it-IT" dirty="0"/>
-                        <a:t>ECM</a:t>
+                        <a:t>ECM training time</a:t>
                       </a:r>
                     </a:p>
                   </a:txBody>
@@ -10209,8 +10431,21 @@
             </a:br>
             <a:r>
               <a:rPr lang="it-IT" dirty="0"/>
-              <a:t>Evaluation</a:t>
-            </a:r>
+              <a:t>Evaluation and </a:t>
+            </a:r>
+            <a:r>
+              <a:rPr lang="it-IT" dirty="0" err="1"/>
+              <a:t>Final</a:t>
+            </a:r>
+            <a:r>
+              <a:rPr lang="it-IT" dirty="0"/>
+              <a:t> </a:t>
+            </a:r>
+            <a:r>
+              <a:rPr lang="it-IT" dirty="0" err="1"/>
+              <a:t>Remarks</a:t>
+            </a:r>
+            <a:endParaRPr lang="it-IT" dirty="0"/>
           </a:p>
         </p:txBody>
       </p:sp>
@@ -10856,12 +11091,16 @@
               <a:t> </a:t>
             </a:r>
             <a:r>
-              <a:rPr lang="it-IT" dirty="0" err="1"/>
+              <a:rPr lang="it-IT" b="1" dirty="0" err="1"/>
               <a:t>Block</a:t>
             </a:r>
             <a:r>
-              <a:rPr lang="it-IT" dirty="0"/>
-              <a:t> index </a:t>
+              <a:rPr lang="it-IT" b="1" dirty="0"/>
+              <a:t> index</a:t>
+            </a:r>
+            <a:r>
+              <a:rPr lang="it-IT" dirty="0"/>
+              <a:t> </a:t>
             </a:r>
             <a:r>
               <a:rPr lang="it-IT" dirty="0" err="1"/>
@@ -11628,23 +11867,7 @@
             </a:r>
             <a:r>
               <a:rPr lang="it-IT" dirty="0"/>
-              <a:t> </a:t>
-            </a:r>
-            <a:r>
-              <a:rPr lang="it-IT" dirty="0" err="1"/>
-              <a:t>our</a:t>
-            </a:r>
-            <a:r>
-              <a:rPr lang="it-IT" dirty="0"/>
-              <a:t> ML </a:t>
-            </a:r>
-            <a:r>
-              <a:rPr lang="it-IT" dirty="0" err="1"/>
-              <a:t>algorithms</a:t>
-            </a:r>
-            <a:r>
-              <a:rPr lang="it-IT" dirty="0"/>
-              <a:t>)</a:t>
+              <a:t> models)</a:t>
             </a:r>
             <a:br>
               <a:rPr lang="it-IT" dirty="0"/>
@@ -11779,15 +12002,7 @@
             </a:r>
             <a:r>
               <a:rPr lang="it-IT" dirty="0"/>
-              <a:t> ML </a:t>
-            </a:r>
-            <a:r>
-              <a:rPr lang="it-IT" dirty="0" err="1"/>
-              <a:t>algorithms</a:t>
-            </a:r>
-            <a:r>
-              <a:rPr lang="it-IT" dirty="0"/>
-              <a:t>)</a:t>
+              <a:t> models)</a:t>
             </a:r>
           </a:p>
           <a:p>
@@ -11859,15 +12074,7 @@
             </a:br>
             <a:r>
               <a:rPr lang="it-IT" dirty="0"/>
-              <a:t>Training and Testing (fast </a:t>
-            </a:r>
-            <a:r>
-              <a:rPr lang="it-IT" dirty="0" err="1"/>
-              <a:t>forward</a:t>
-            </a:r>
-            <a:r>
-              <a:rPr lang="it-IT" dirty="0"/>
-              <a:t>)</a:t>
+              <a:t>Training and Testing</a:t>
             </a:r>
           </a:p>
         </p:txBody>
@@ -11999,38 +12206,6 @@
             <a:r>
               <a:rPr lang="it-IT" b="1" u="sng" dirty="0"/>
               <a:t>training</a:t>
-            </a:r>
-            <a:r>
-              <a:rPr lang="it-IT" b="1" dirty="0"/>
-              <a:t> </a:t>
-            </a:r>
-            <a:r>
-              <a:rPr lang="it-IT" dirty="0"/>
-              <a:t>(</a:t>
-            </a:r>
-            <a:r>
-              <a:rPr lang="it-IT" dirty="0" err="1"/>
-              <a:t>we</a:t>
-            </a:r>
-            <a:r>
-              <a:rPr lang="it-IT" dirty="0"/>
-              <a:t> </a:t>
-            </a:r>
-            <a:r>
-              <a:rPr lang="it-IT" dirty="0" err="1"/>
-              <a:t>only</a:t>
-            </a:r>
-            <a:r>
-              <a:rPr lang="it-IT" dirty="0"/>
-              <a:t> </a:t>
-            </a:r>
-            <a:r>
-              <a:rPr lang="it-IT" dirty="0" err="1"/>
-              <a:t>want</a:t>
-            </a:r>
-            <a:r>
-              <a:rPr lang="it-IT" dirty="0"/>
-              <a:t> the models)</a:t>
             </a:r>
             <a:br>
               <a:rPr lang="it-IT" dirty="0"/>
@@ -12678,8 +12853,21 @@
             </a:br>
             <a:r>
               <a:rPr lang="it-IT" dirty="0"/>
-              <a:t>Evaluation</a:t>
-            </a:r>
+              <a:t>Evaluation and </a:t>
+            </a:r>
+            <a:r>
+              <a:rPr lang="it-IT" dirty="0" err="1"/>
+              <a:t>Final</a:t>
+            </a:r>
+            <a:r>
+              <a:rPr lang="it-IT" dirty="0"/>
+              <a:t> </a:t>
+            </a:r>
+            <a:r>
+              <a:rPr lang="it-IT" dirty="0" err="1"/>
+              <a:t>Remarks</a:t>
+            </a:r>
+            <a:endParaRPr lang="it-IT" dirty="0"/>
           </a:p>
         </p:txBody>
       </p:sp>
@@ -13100,7 +13288,7 @@
             </a:r>
             <a:r>
               <a:rPr lang="it-IT" b="1" u="sng" dirty="0"/>
-              <a:t> so!</a:t>
+              <a:t> so! </a:t>
             </a:r>
           </a:p>
           <a:p>
